--- a/spring/INFO/스프링부트 완전정복_강의교안/chap11 예외 처리.pptx
+++ b/spring/INFO/스프링부트 완전정복_강의교안/chap11 예외 처리.pptx
@@ -8035,6 +8035,96 @@
 </p:notes>
 </file>
 
+<file path=ppt/notesSlides/notesSlide2.xml><?xml version="1.0" encoding="utf-8"?>
+<p:notes xmlns:a="http://schemas.openxmlformats.org/drawingml/2006/main" xmlns:r="http://schemas.openxmlformats.org/officeDocument/2006/relationships" xmlns:p="http://schemas.openxmlformats.org/presentationml/2006/main">
+  <p:cSld>
+    <p:spTree>
+      <p:nvGrpSpPr>
+        <p:cNvPr id="1" name=""/>
+        <p:cNvGrpSpPr/>
+        <p:nvPr/>
+      </p:nvGrpSpPr>
+      <p:grpSpPr>
+        <a:xfrm>
+          <a:off x="0" y="0"/>
+          <a:ext cx="0" cy="0"/>
+          <a:chOff x="0" y="0"/>
+          <a:chExt cx="0" cy="0"/>
+        </a:xfrm>
+      </p:grpSpPr>
+      <p:sp>
+        <p:nvSpPr>
+          <p:cNvPr id="2" name="슬라이드 이미지 개체 틀 1"/>
+          <p:cNvSpPr>
+            <a:spLocks noGrp="1" noRot="1" noChangeAspect="1"/>
+          </p:cNvSpPr>
+          <p:nvPr>
+            <p:ph type="sldImg"/>
+          </p:nvPr>
+        </p:nvSpPr>
+        <p:spPr/>
+      </p:sp>
+      <p:sp>
+        <p:nvSpPr>
+          <p:cNvPr id="3" name="슬라이드 노트 개체 틀 2"/>
+          <p:cNvSpPr>
+            <a:spLocks noGrp="1"/>
+          </p:cNvSpPr>
+          <p:nvPr>
+            <p:ph type="body" idx="1"/>
+          </p:nvPr>
+        </p:nvSpPr>
+        <p:spPr/>
+        <p:txBody>
+          <a:bodyPr/>
+          <a:lstStyle/>
+          <a:p>
+            <a:endParaRPr lang="ko-KR" altLang="en-US"/>
+          </a:p>
+        </p:txBody>
+      </p:sp>
+      <p:sp>
+        <p:nvSpPr>
+          <p:cNvPr id="4" name="슬라이드 번호 개체 틀 3"/>
+          <p:cNvSpPr>
+            <a:spLocks noGrp="1"/>
+          </p:cNvSpPr>
+          <p:nvPr>
+            <p:ph type="sldNum" sz="quarter" idx="5"/>
+          </p:nvPr>
+        </p:nvSpPr>
+        <p:spPr/>
+        <p:txBody>
+          <a:bodyPr/>
+          <a:lstStyle/>
+          <a:p>
+            <a:pPr lvl="0">
+              <a:defRPr/>
+            </a:pPr>
+            <a:fld id="{81967304-A513-47CF-AA1B-1F2A36BB6376}" type="slidenum">
+              <a:rPr lang="de-DE" altLang="ko-KR" smtClean="0"/>
+              <a:pPr lvl="0">
+                <a:defRPr/>
+              </a:pPr>
+              <a:t>37</a:t>
+            </a:fld>
+            <a:endParaRPr lang="de-DE" altLang="ko-KR"/>
+          </a:p>
+        </p:txBody>
+      </p:sp>
+    </p:spTree>
+    <p:extLst>
+      <p:ext uri="{BB962C8B-B14F-4D97-AF65-F5344CB8AC3E}">
+        <p14:creationId xmlns:p14="http://schemas.microsoft.com/office/powerpoint/2010/main" val="1753359354"/>
+      </p:ext>
+    </p:extLst>
+  </p:cSld>
+  <p:clrMapOvr>
+    <a:masterClrMapping/>
+  </p:clrMapOvr>
+</p:notes>
+</file>
+
 <file path=ppt/slideLayouts/slideLayout1.xml><?xml version="1.0" encoding="utf-8"?>
 <p:sldLayout xmlns:a="http://schemas.openxmlformats.org/drawingml/2006/main" xmlns:r="http://schemas.openxmlformats.org/officeDocument/2006/relationships" xmlns:p="http://schemas.openxmlformats.org/presentationml/2006/main" matchingName="2_제목 슬라이드1" preserve="1" userDrawn="1">
   <p:cSld name="1_장제목">
@@ -10434,7 +10524,7 @@
               <a:pPr lvl="0">
                 <a:defRPr/>
               </a:pPr>
-              <a:t>2025-01-19</a:t>
+              <a:t>2025-06-12</a:t>
             </a:fld>
             <a:endParaRPr lang="ko-KR" altLang="en-US"/>
           </a:p>
@@ -11215,7 +11305,7 @@
     <mc:Choice Requires="p14">
       <p:transition/>
     </mc:Choice>
-    <mc:Fallback xmlns="" xmlns:c="http://schemas.openxmlformats.org/drawingml/2006/chart" xmlns:dgm="http://schemas.openxmlformats.org/drawingml/2006/diagram" xmlns:dsp="http://schemas.microsoft.com/office/drawing/2008/diagram">
+    <mc:Fallback xmlns:dsp="http://schemas.microsoft.com/office/drawing/2008/diagram" xmlns:dgm="http://schemas.openxmlformats.org/drawingml/2006/diagram" xmlns:c="http://schemas.openxmlformats.org/drawingml/2006/chart" xmlns="">
       <p:transition/>
     </mc:Fallback>
   </mc:AlternateContent>
@@ -11571,7 +11661,7 @@
     <mc:Choice Requires="p14">
       <p:transition/>
     </mc:Choice>
-    <mc:Fallback xmlns="" xmlns:c="http://schemas.openxmlformats.org/drawingml/2006/chart" xmlns:dgm="http://schemas.openxmlformats.org/drawingml/2006/diagram" xmlns:dsp="http://schemas.microsoft.com/office/drawing/2008/diagram">
+    <mc:Fallback xmlns:dsp="http://schemas.microsoft.com/office/drawing/2008/diagram" xmlns:dgm="http://schemas.openxmlformats.org/drawingml/2006/diagram" xmlns:c="http://schemas.openxmlformats.org/drawingml/2006/chart" xmlns="">
       <p:transition/>
     </mc:Fallback>
   </mc:AlternateContent>
@@ -11860,7 +11950,7 @@
     <mc:Choice Requires="p14">
       <p:transition/>
     </mc:Choice>
-    <mc:Fallback xmlns="" xmlns:c="http://schemas.openxmlformats.org/drawingml/2006/chart" xmlns:dgm="http://schemas.openxmlformats.org/drawingml/2006/diagram" xmlns:dsp="http://schemas.microsoft.com/office/drawing/2008/diagram">
+    <mc:Fallback xmlns:dsp="http://schemas.microsoft.com/office/drawing/2008/diagram" xmlns:dgm="http://schemas.openxmlformats.org/drawingml/2006/diagram" xmlns:c="http://schemas.openxmlformats.org/drawingml/2006/chart" xmlns="">
       <p:transition/>
     </mc:Fallback>
   </mc:AlternateContent>
@@ -12159,7 +12249,7 @@
     <mc:Choice Requires="p14">
       <p:transition/>
     </mc:Choice>
-    <mc:Fallback xmlns="" xmlns:c="http://schemas.openxmlformats.org/drawingml/2006/chart" xmlns:dgm="http://schemas.openxmlformats.org/drawingml/2006/diagram" xmlns:dsp="http://schemas.microsoft.com/office/drawing/2008/diagram">
+    <mc:Fallback xmlns:dsp="http://schemas.microsoft.com/office/drawing/2008/diagram" xmlns:dgm="http://schemas.openxmlformats.org/drawingml/2006/diagram" xmlns:c="http://schemas.openxmlformats.org/drawingml/2006/chart" xmlns="">
       <p:transition/>
     </mc:Fallback>
   </mc:AlternateContent>
@@ -12451,7 +12541,7 @@
     <mc:Choice Requires="p14">
       <p:transition/>
     </mc:Choice>
-    <mc:Fallback xmlns="" xmlns:c="http://schemas.openxmlformats.org/drawingml/2006/chart" xmlns:dgm="http://schemas.openxmlformats.org/drawingml/2006/diagram" xmlns:dsp="http://schemas.microsoft.com/office/drawing/2008/diagram">
+    <mc:Fallback xmlns:dsp="http://schemas.microsoft.com/office/drawing/2008/diagram" xmlns:dgm="http://schemas.openxmlformats.org/drawingml/2006/diagram" xmlns:c="http://schemas.openxmlformats.org/drawingml/2006/chart" xmlns="">
       <p:transition/>
     </mc:Fallback>
   </mc:AlternateContent>
@@ -12548,7 +12638,7 @@
     <mc:Choice Requires="p14">
       <p:transition/>
     </mc:Choice>
-    <mc:Fallback xmlns="" xmlns:c="http://schemas.openxmlformats.org/drawingml/2006/chart" xmlns:dgm="http://schemas.openxmlformats.org/drawingml/2006/diagram" xmlns:dsp="http://schemas.microsoft.com/office/drawing/2008/diagram">
+    <mc:Fallback xmlns:dsp="http://schemas.microsoft.com/office/drawing/2008/diagram" xmlns:dgm="http://schemas.openxmlformats.org/drawingml/2006/diagram" xmlns:c="http://schemas.openxmlformats.org/drawingml/2006/chart" xmlns="">
       <p:transition/>
     </mc:Fallback>
   </mc:AlternateContent>
@@ -12902,7 +12992,7 @@
     <mc:Choice Requires="p14">
       <p:transition/>
     </mc:Choice>
-    <mc:Fallback xmlns="" xmlns:c="http://schemas.openxmlformats.org/drawingml/2006/chart" xmlns:dgm="http://schemas.openxmlformats.org/drawingml/2006/diagram" xmlns:dsp="http://schemas.microsoft.com/office/drawing/2008/diagram">
+    <mc:Fallback xmlns:dsp="http://schemas.microsoft.com/office/drawing/2008/diagram" xmlns:dgm="http://schemas.openxmlformats.org/drawingml/2006/diagram" xmlns:c="http://schemas.openxmlformats.org/drawingml/2006/chart" xmlns="">
       <p:transition/>
     </mc:Fallback>
   </mc:AlternateContent>
@@ -13257,7 +13347,7 @@
     <mc:Choice Requires="p14">
       <p:transition/>
     </mc:Choice>
-    <mc:Fallback xmlns="" xmlns:c="http://schemas.openxmlformats.org/drawingml/2006/chart" xmlns:dgm="http://schemas.openxmlformats.org/drawingml/2006/diagram" xmlns:dsp="http://schemas.microsoft.com/office/drawing/2008/diagram">
+    <mc:Fallback xmlns:dsp="http://schemas.microsoft.com/office/drawing/2008/diagram" xmlns:dgm="http://schemas.openxmlformats.org/drawingml/2006/diagram" xmlns:c="http://schemas.openxmlformats.org/drawingml/2006/chart" xmlns="">
       <p:transition/>
     </mc:Fallback>
   </mc:AlternateContent>
@@ -13587,7 +13677,7 @@
     <mc:Choice Requires="p14">
       <p:transition/>
     </mc:Choice>
-    <mc:Fallback xmlns="" xmlns:c="http://schemas.openxmlformats.org/drawingml/2006/chart" xmlns:dgm="http://schemas.openxmlformats.org/drawingml/2006/diagram" xmlns:dsp="http://schemas.microsoft.com/office/drawing/2008/diagram">
+    <mc:Fallback xmlns:dsp="http://schemas.microsoft.com/office/drawing/2008/diagram" xmlns:dgm="http://schemas.openxmlformats.org/drawingml/2006/diagram" xmlns:c="http://schemas.openxmlformats.org/drawingml/2006/chart" xmlns="">
       <p:transition/>
     </mc:Fallback>
   </mc:AlternateContent>
@@ -13707,7 +13797,7 @@
     <mc:Choice Requires="p14">
       <p:transition/>
     </mc:Choice>
-    <mc:Fallback xmlns="" xmlns:c="http://schemas.openxmlformats.org/drawingml/2006/chart" xmlns:dgm="http://schemas.openxmlformats.org/drawingml/2006/diagram" xmlns:dsp="http://schemas.microsoft.com/office/drawing/2008/diagram">
+    <mc:Fallback xmlns:dsp="http://schemas.microsoft.com/office/drawing/2008/diagram" xmlns:dgm="http://schemas.openxmlformats.org/drawingml/2006/diagram" xmlns:c="http://schemas.openxmlformats.org/drawingml/2006/chart" xmlns="">
       <p:transition/>
     </mc:Fallback>
   </mc:AlternateContent>
@@ -14041,7 +14131,7 @@
     <mc:Choice Requires="p14">
       <p:transition/>
     </mc:Choice>
-    <mc:Fallback xmlns="" xmlns:c="http://schemas.openxmlformats.org/drawingml/2006/chart" xmlns:dgm="http://schemas.openxmlformats.org/drawingml/2006/diagram" xmlns:dsp="http://schemas.microsoft.com/office/drawing/2008/diagram">
+    <mc:Fallback xmlns:dsp="http://schemas.microsoft.com/office/drawing/2008/diagram" xmlns:dgm="http://schemas.openxmlformats.org/drawingml/2006/diagram" xmlns:c="http://schemas.openxmlformats.org/drawingml/2006/chart" xmlns="">
       <p:transition/>
     </mc:Fallback>
   </mc:AlternateContent>
@@ -14290,7 +14380,7 @@
     <mc:Choice Requires="p14">
       <p:transition/>
     </mc:Choice>
-    <mc:Fallback xmlns="" xmlns:c="http://schemas.openxmlformats.org/drawingml/2006/chart" xmlns:dgm="http://schemas.openxmlformats.org/drawingml/2006/diagram" xmlns:dsp="http://schemas.microsoft.com/office/drawing/2008/diagram">
+    <mc:Fallback xmlns:dsp="http://schemas.microsoft.com/office/drawing/2008/diagram" xmlns:dgm="http://schemas.openxmlformats.org/drawingml/2006/diagram" xmlns:c="http://schemas.openxmlformats.org/drawingml/2006/chart" xmlns="">
       <p:transition/>
     </mc:Fallback>
   </mc:AlternateContent>
@@ -14587,7 +14677,7 @@
     <mc:Choice Requires="p14">
       <p:transition/>
     </mc:Choice>
-    <mc:Fallback xmlns="" xmlns:c="http://schemas.openxmlformats.org/drawingml/2006/chart" xmlns:dgm="http://schemas.openxmlformats.org/drawingml/2006/diagram" xmlns:dsp="http://schemas.microsoft.com/office/drawing/2008/diagram">
+    <mc:Fallback xmlns:dsp="http://schemas.microsoft.com/office/drawing/2008/diagram" xmlns:dgm="http://schemas.openxmlformats.org/drawingml/2006/diagram" xmlns:c="http://schemas.openxmlformats.org/drawingml/2006/chart" xmlns="">
       <p:transition/>
     </mc:Fallback>
   </mc:AlternateContent>
@@ -14872,7 +14962,7 @@
     <mc:Choice Requires="p14">
       <p:transition/>
     </mc:Choice>
-    <mc:Fallback xmlns="" xmlns:c="http://schemas.openxmlformats.org/drawingml/2006/chart" xmlns:dgm="http://schemas.openxmlformats.org/drawingml/2006/diagram" xmlns:dsp="http://schemas.microsoft.com/office/drawing/2008/diagram">
+    <mc:Fallback xmlns:dsp="http://schemas.microsoft.com/office/drawing/2008/diagram" xmlns:dgm="http://schemas.openxmlformats.org/drawingml/2006/diagram" xmlns:c="http://schemas.openxmlformats.org/drawingml/2006/chart" xmlns="">
       <p:transition/>
     </mc:Fallback>
   </mc:AlternateContent>
@@ -15000,7 +15090,7 @@
     <mc:Choice Requires="p14">
       <p:transition/>
     </mc:Choice>
-    <mc:Fallback xmlns="" xmlns:c="http://schemas.openxmlformats.org/drawingml/2006/chart" xmlns:dgm="http://schemas.openxmlformats.org/drawingml/2006/diagram" xmlns:dsp="http://schemas.microsoft.com/office/drawing/2008/diagram">
+    <mc:Fallback xmlns:dsp="http://schemas.microsoft.com/office/drawing/2008/diagram" xmlns:dgm="http://schemas.openxmlformats.org/drawingml/2006/diagram" xmlns:c="http://schemas.openxmlformats.org/drawingml/2006/chart" xmlns="">
       <p:transition/>
     </mc:Fallback>
   </mc:AlternateContent>
@@ -15239,7 +15329,7 @@
     <mc:Choice Requires="p14">
       <p:transition/>
     </mc:Choice>
-    <mc:Fallback xmlns="" xmlns:c="http://schemas.openxmlformats.org/drawingml/2006/chart" xmlns:dgm="http://schemas.openxmlformats.org/drawingml/2006/diagram" xmlns:dsp="http://schemas.microsoft.com/office/drawing/2008/diagram">
+    <mc:Fallback xmlns:dsp="http://schemas.microsoft.com/office/drawing/2008/diagram" xmlns:dgm="http://schemas.openxmlformats.org/drawingml/2006/diagram" xmlns:c="http://schemas.openxmlformats.org/drawingml/2006/chart" xmlns="">
       <p:transition/>
     </mc:Fallback>
   </mc:AlternateContent>
@@ -15478,7 +15568,7 @@
     <mc:Choice Requires="p14">
       <p:transition/>
     </mc:Choice>
-    <mc:Fallback xmlns="" xmlns:c="http://schemas.openxmlformats.org/drawingml/2006/chart" xmlns:dgm="http://schemas.openxmlformats.org/drawingml/2006/diagram" xmlns:dsp="http://schemas.microsoft.com/office/drawing/2008/diagram">
+    <mc:Fallback xmlns:dsp="http://schemas.microsoft.com/office/drawing/2008/diagram" xmlns:dgm="http://schemas.openxmlformats.org/drawingml/2006/diagram" xmlns:c="http://schemas.openxmlformats.org/drawingml/2006/chart" xmlns="">
       <p:transition/>
     </mc:Fallback>
   </mc:AlternateContent>
@@ -15759,7 +15849,7 @@
     <mc:Choice Requires="p14">
       <p:transition/>
     </mc:Choice>
-    <mc:Fallback xmlns="" xmlns:c="http://schemas.openxmlformats.org/drawingml/2006/chart" xmlns:dgm="http://schemas.openxmlformats.org/drawingml/2006/diagram" xmlns:dsp="http://schemas.microsoft.com/office/drawing/2008/diagram">
+    <mc:Fallback xmlns:dsp="http://schemas.microsoft.com/office/drawing/2008/diagram" xmlns:dgm="http://schemas.openxmlformats.org/drawingml/2006/diagram" xmlns:c="http://schemas.openxmlformats.org/drawingml/2006/chart" xmlns="">
       <p:transition/>
     </mc:Fallback>
   </mc:AlternateContent>
@@ -16369,7 +16459,7 @@
     <mc:Choice Requires="p14">
       <p:transition/>
     </mc:Choice>
-    <mc:Fallback xmlns="" xmlns:c="http://schemas.openxmlformats.org/drawingml/2006/chart" xmlns:dgm="http://schemas.openxmlformats.org/drawingml/2006/diagram" xmlns:dsp="http://schemas.microsoft.com/office/drawing/2008/diagram">
+    <mc:Fallback xmlns:dsp="http://schemas.microsoft.com/office/drawing/2008/diagram" xmlns:dgm="http://schemas.openxmlformats.org/drawingml/2006/diagram" xmlns:c="http://schemas.openxmlformats.org/drawingml/2006/chart" xmlns="">
       <p:transition/>
     </mc:Fallback>
   </mc:AlternateContent>
@@ -16625,7 +16715,7 @@
     <mc:Choice Requires="p14">
       <p:transition/>
     </mc:Choice>
-    <mc:Fallback xmlns="" xmlns:c="http://schemas.openxmlformats.org/drawingml/2006/chart" xmlns:dgm="http://schemas.openxmlformats.org/drawingml/2006/diagram" xmlns:dsp="http://schemas.microsoft.com/office/drawing/2008/diagram">
+    <mc:Fallback xmlns:dsp="http://schemas.microsoft.com/office/drawing/2008/diagram" xmlns:dgm="http://schemas.openxmlformats.org/drawingml/2006/diagram" xmlns:c="http://schemas.openxmlformats.org/drawingml/2006/chart" xmlns="">
       <p:transition/>
     </mc:Fallback>
   </mc:AlternateContent>
@@ -16875,7 +16965,7 @@
     <mc:Choice Requires="p14">
       <p:transition/>
     </mc:Choice>
-    <mc:Fallback xmlns="" xmlns:c="http://schemas.openxmlformats.org/drawingml/2006/chart" xmlns:dgm="http://schemas.openxmlformats.org/drawingml/2006/diagram" xmlns:dsp="http://schemas.microsoft.com/office/drawing/2008/diagram">
+    <mc:Fallback xmlns:dsp="http://schemas.microsoft.com/office/drawing/2008/diagram" xmlns:dgm="http://schemas.openxmlformats.org/drawingml/2006/diagram" xmlns:c="http://schemas.openxmlformats.org/drawingml/2006/chart" xmlns="">
       <p:transition/>
     </mc:Fallback>
   </mc:AlternateContent>
@@ -16978,7 +17068,7 @@
             </a:r>
             <a:r>
               <a:rPr lang="en-US" altLang="ko-KR" dirty="0" err="1"/>
-              <a:t>getBookById</a:t>
+              <a:t>getBookinfo</a:t>
             </a:r>
             <a:r>
               <a:rPr lang="en-US" altLang="ko-KR" dirty="0"/>
@@ -17154,7 +17244,7 @@
     <mc:Choice Requires="p14">
       <p:transition/>
     </mc:Choice>
-    <mc:Fallback xmlns="" xmlns:c="http://schemas.openxmlformats.org/drawingml/2006/chart" xmlns:dgm="http://schemas.openxmlformats.org/drawingml/2006/diagram" xmlns:dsp="http://schemas.microsoft.com/office/drawing/2008/diagram">
+    <mc:Fallback xmlns:dsp="http://schemas.microsoft.com/office/drawing/2008/diagram" xmlns:dgm="http://schemas.openxmlformats.org/drawingml/2006/diagram" xmlns:c="http://schemas.openxmlformats.org/drawingml/2006/chart" xmlns="">
       <p:transition/>
     </mc:Fallback>
   </mc:AlternateContent>
@@ -17373,7 +17463,7 @@
     <mc:Choice Requires="p14">
       <p:transition/>
     </mc:Choice>
-    <mc:Fallback xmlns="" xmlns:c="http://schemas.openxmlformats.org/drawingml/2006/chart" xmlns:dgm="http://schemas.openxmlformats.org/drawingml/2006/diagram" xmlns:dsp="http://schemas.microsoft.com/office/drawing/2008/diagram">
+    <mc:Fallback xmlns:dsp="http://schemas.microsoft.com/office/drawing/2008/diagram" xmlns:dgm="http://schemas.openxmlformats.org/drawingml/2006/diagram" xmlns:c="http://schemas.openxmlformats.org/drawingml/2006/chart" xmlns="">
       <p:transition/>
     </mc:Fallback>
   </mc:AlternateContent>
@@ -18033,7 +18123,7 @@
     <mc:Choice Requires="p14">
       <p:transition/>
     </mc:Choice>
-    <mc:Fallback xmlns="" xmlns:c="http://schemas.openxmlformats.org/drawingml/2006/chart" xmlns:dgm="http://schemas.openxmlformats.org/drawingml/2006/diagram" xmlns:dsp="http://schemas.microsoft.com/office/drawing/2008/diagram">
+    <mc:Fallback xmlns:dsp="http://schemas.microsoft.com/office/drawing/2008/diagram" xmlns:dgm="http://schemas.openxmlformats.org/drawingml/2006/diagram" xmlns:c="http://schemas.openxmlformats.org/drawingml/2006/chart" xmlns="">
       <p:transition/>
     </mc:Fallback>
   </mc:AlternateContent>
@@ -18332,7 +18422,7 @@
     <mc:Choice Requires="p14">
       <p:transition/>
     </mc:Choice>
-    <mc:Fallback xmlns="" xmlns:c="http://schemas.openxmlformats.org/drawingml/2006/chart" xmlns:dgm="http://schemas.openxmlformats.org/drawingml/2006/diagram" xmlns:dsp="http://schemas.microsoft.com/office/drawing/2008/diagram">
+    <mc:Fallback xmlns:dsp="http://schemas.microsoft.com/office/drawing/2008/diagram" xmlns:dgm="http://schemas.openxmlformats.org/drawingml/2006/diagram" xmlns:c="http://schemas.openxmlformats.org/drawingml/2006/chart" xmlns="">
       <p:transition/>
     </mc:Fallback>
   </mc:AlternateContent>
@@ -18604,7 +18694,7 @@
     <mc:Choice Requires="p14">
       <p:transition/>
     </mc:Choice>
-    <mc:Fallback xmlns="" xmlns:c="http://schemas.openxmlformats.org/drawingml/2006/chart" xmlns:dgm="http://schemas.openxmlformats.org/drawingml/2006/diagram" xmlns:dsp="http://schemas.microsoft.com/office/drawing/2008/diagram">
+    <mc:Fallback xmlns:dsp="http://schemas.microsoft.com/office/drawing/2008/diagram" xmlns:dgm="http://schemas.openxmlformats.org/drawingml/2006/diagram" xmlns:c="http://schemas.openxmlformats.org/drawingml/2006/chart" xmlns="">
       <p:transition/>
     </mc:Fallback>
   </mc:AlternateContent>
@@ -18900,7 +18990,7 @@
     <mc:Choice Requires="p14">
       <p:transition/>
     </mc:Choice>
-    <mc:Fallback xmlns="" xmlns:c="http://schemas.openxmlformats.org/drawingml/2006/chart" xmlns:dgm="http://schemas.openxmlformats.org/drawingml/2006/diagram" xmlns:dsp="http://schemas.microsoft.com/office/drawing/2008/diagram">
+    <mc:Fallback xmlns:dsp="http://schemas.microsoft.com/office/drawing/2008/diagram" xmlns:dgm="http://schemas.openxmlformats.org/drawingml/2006/diagram" xmlns:c="http://schemas.openxmlformats.org/drawingml/2006/chart" xmlns="">
       <p:transition/>
     </mc:Fallback>
   </mc:AlternateContent>
@@ -19310,7 +19400,7 @@
     <mc:Choice Requires="p14">
       <p:transition/>
     </mc:Choice>
-    <mc:Fallback xmlns="" xmlns:c="http://schemas.openxmlformats.org/drawingml/2006/chart" xmlns:dgm="http://schemas.openxmlformats.org/drawingml/2006/diagram" xmlns:dsp="http://schemas.microsoft.com/office/drawing/2008/diagram">
+    <mc:Fallback xmlns:dsp="http://schemas.microsoft.com/office/drawing/2008/diagram" xmlns:dgm="http://schemas.openxmlformats.org/drawingml/2006/diagram" xmlns:c="http://schemas.openxmlformats.org/drawingml/2006/chart" xmlns="">
       <p:transition/>
     </mc:Fallback>
   </mc:AlternateContent>
@@ -19630,7 +19720,7 @@
     <mc:Choice Requires="p14">
       <p:transition/>
     </mc:Choice>
-    <mc:Fallback xmlns="" xmlns:c="http://schemas.openxmlformats.org/drawingml/2006/chart" xmlns:dgm="http://schemas.openxmlformats.org/drawingml/2006/diagram" xmlns:dsp="http://schemas.microsoft.com/office/drawing/2008/diagram">
+    <mc:Fallback xmlns:dsp="http://schemas.microsoft.com/office/drawing/2008/diagram" xmlns:dgm="http://schemas.openxmlformats.org/drawingml/2006/diagram" xmlns:c="http://schemas.openxmlformats.org/drawingml/2006/chart" xmlns="">
       <p:transition/>
     </mc:Fallback>
   </mc:AlternateContent>
@@ -19923,7 +20013,7 @@
     <mc:Choice Requires="p14">
       <p:transition/>
     </mc:Choice>
-    <mc:Fallback xmlns="" xmlns:c="http://schemas.openxmlformats.org/drawingml/2006/chart" xmlns:dgm="http://schemas.openxmlformats.org/drawingml/2006/diagram" xmlns:dsp="http://schemas.microsoft.com/office/drawing/2008/diagram">
+    <mc:Fallback xmlns:dsp="http://schemas.microsoft.com/office/drawing/2008/diagram" xmlns:dgm="http://schemas.openxmlformats.org/drawingml/2006/diagram" xmlns:c="http://schemas.openxmlformats.org/drawingml/2006/chart" xmlns="">
       <p:transition/>
     </mc:Fallback>
   </mc:AlternateContent>
@@ -20206,7 +20296,7 @@
           <p:nvPr/>
         </p:nvPicPr>
         <p:blipFill>
-          <a:blip r:embed="rId2" cstate="print">
+          <a:blip r:embed="rId3" cstate="print">
             <a:extLst>
               <a:ext uri="{28A0092B-C50C-407E-A947-70E740481C1C}">
                 <a14:useLocalDpi xmlns:a14="http://schemas.microsoft.com/office/drawing/2010/main" val="0"/>
@@ -20240,7 +20330,7 @@
     <mc:Choice Requires="p14">
       <p:transition/>
     </mc:Choice>
-    <mc:Fallback xmlns="" xmlns:c="http://schemas.openxmlformats.org/drawingml/2006/chart" xmlns:dgm="http://schemas.openxmlformats.org/drawingml/2006/diagram" xmlns:dsp="http://schemas.microsoft.com/office/drawing/2008/diagram">
+    <mc:Fallback xmlns:dsp="http://schemas.microsoft.com/office/drawing/2008/diagram" xmlns:dgm="http://schemas.openxmlformats.org/drawingml/2006/diagram" xmlns:c="http://schemas.openxmlformats.org/drawingml/2006/chart" xmlns="">
       <p:transition/>
     </mc:Fallback>
   </mc:AlternateContent>
@@ -20303,7 +20393,7 @@
     <mc:Choice Requires="p14">
       <p:transition/>
     </mc:Choice>
-    <mc:Fallback xmlns="" xmlns:c="http://schemas.openxmlformats.org/drawingml/2006/chart" xmlns:dgm="http://schemas.openxmlformats.org/drawingml/2006/diagram" xmlns:dsp="http://schemas.microsoft.com/office/drawing/2008/diagram">
+    <mc:Fallback xmlns:dsp="http://schemas.microsoft.com/office/drawing/2008/diagram" xmlns:dgm="http://schemas.openxmlformats.org/drawingml/2006/diagram" xmlns:c="http://schemas.openxmlformats.org/drawingml/2006/chart" xmlns="">
       <p:transition/>
     </mc:Fallback>
   </mc:AlternateContent>
@@ -20408,7 +20498,7 @@
     <mc:Choice Requires="p14">
       <p:transition/>
     </mc:Choice>
-    <mc:Fallback xmlns="" xmlns:c="http://schemas.openxmlformats.org/drawingml/2006/chart" xmlns:dgm="http://schemas.openxmlformats.org/drawingml/2006/diagram" xmlns:dsp="http://schemas.microsoft.com/office/drawing/2008/diagram">
+    <mc:Fallback xmlns:dsp="http://schemas.microsoft.com/office/drawing/2008/diagram" xmlns:dgm="http://schemas.openxmlformats.org/drawingml/2006/diagram" xmlns:c="http://schemas.openxmlformats.org/drawingml/2006/chart" xmlns="">
       <p:transition/>
     </mc:Fallback>
   </mc:AlternateContent>
@@ -20677,7 +20767,7 @@
     <mc:Choice Requires="p14">
       <p:transition/>
     </mc:Choice>
-    <mc:Fallback xmlns="" xmlns:c="http://schemas.openxmlformats.org/drawingml/2006/chart" xmlns:dgm="http://schemas.openxmlformats.org/drawingml/2006/diagram" xmlns:dsp="http://schemas.microsoft.com/office/drawing/2008/diagram">
+    <mc:Fallback xmlns:dsp="http://schemas.microsoft.com/office/drawing/2008/diagram" xmlns:dgm="http://schemas.openxmlformats.org/drawingml/2006/diagram" xmlns:c="http://schemas.openxmlformats.org/drawingml/2006/chart" xmlns="">
       <p:transition/>
     </mc:Fallback>
   </mc:AlternateContent>
@@ -20944,7 +21034,7 @@
     <mc:Choice Requires="p14">
       <p:transition/>
     </mc:Choice>
-    <mc:Fallback xmlns="" xmlns:c="http://schemas.openxmlformats.org/drawingml/2006/chart" xmlns:dgm="http://schemas.openxmlformats.org/drawingml/2006/diagram" xmlns:dsp="http://schemas.microsoft.com/office/drawing/2008/diagram">
+    <mc:Fallback xmlns:dsp="http://schemas.microsoft.com/office/drawing/2008/diagram" xmlns:dgm="http://schemas.openxmlformats.org/drawingml/2006/diagram" xmlns:c="http://schemas.openxmlformats.org/drawingml/2006/chart" xmlns="">
       <p:transition/>
     </mc:Fallback>
   </mc:AlternateContent>
@@ -21049,7 +21139,7 @@
     <mc:Choice Requires="p14">
       <p:transition/>
     </mc:Choice>
-    <mc:Fallback xmlns="" xmlns:c="http://schemas.openxmlformats.org/drawingml/2006/chart" xmlns:dgm="http://schemas.openxmlformats.org/drawingml/2006/diagram" xmlns:dsp="http://schemas.microsoft.com/office/drawing/2008/diagram">
+    <mc:Fallback xmlns:dsp="http://schemas.microsoft.com/office/drawing/2008/diagram" xmlns:dgm="http://schemas.openxmlformats.org/drawingml/2006/diagram" xmlns:c="http://schemas.openxmlformats.org/drawingml/2006/chart" xmlns="">
       <p:transition/>
     </mc:Fallback>
   </mc:AlternateContent>
@@ -21385,7 +21475,7 @@
     <mc:Choice Requires="p14">
       <p:transition/>
     </mc:Choice>
-    <mc:Fallback xmlns="" xmlns:c="http://schemas.openxmlformats.org/drawingml/2006/chart" xmlns:dgm="http://schemas.openxmlformats.org/drawingml/2006/diagram" xmlns:dsp="http://schemas.microsoft.com/office/drawing/2008/diagram">
+    <mc:Fallback xmlns:dsp="http://schemas.microsoft.com/office/drawing/2008/diagram" xmlns:dgm="http://schemas.openxmlformats.org/drawingml/2006/diagram" xmlns:c="http://schemas.openxmlformats.org/drawingml/2006/chart" xmlns="">
       <p:transition/>
     </mc:Fallback>
   </mc:AlternateContent>
@@ -21793,7 +21883,7 @@
     <mc:Choice Requires="p14">
       <p:transition/>
     </mc:Choice>
-    <mc:Fallback xmlns="" xmlns:c="http://schemas.openxmlformats.org/drawingml/2006/chart" xmlns:dgm="http://schemas.openxmlformats.org/drawingml/2006/diagram" xmlns:dsp="http://schemas.microsoft.com/office/drawing/2008/diagram">
+    <mc:Fallback xmlns:dsp="http://schemas.microsoft.com/office/drawing/2008/diagram" xmlns:dgm="http://schemas.openxmlformats.org/drawingml/2006/diagram" xmlns:c="http://schemas.openxmlformats.org/drawingml/2006/chart" xmlns="">
       <p:transition/>
     </mc:Fallback>
   </mc:AlternateContent>

--- a/spring/INFO/스프링부트 완전정복_강의교안/chap11 예외 처리.pptx
+++ b/spring/INFO/스프링부트 완전정복_강의교안/chap11 예외 처리.pptx
@@ -8035,96 +8035,6 @@
 </p:notes>
 </file>
 
-<file path=ppt/notesSlides/notesSlide2.xml><?xml version="1.0" encoding="utf-8"?>
-<p:notes xmlns:a="http://schemas.openxmlformats.org/drawingml/2006/main" xmlns:r="http://schemas.openxmlformats.org/officeDocument/2006/relationships" xmlns:p="http://schemas.openxmlformats.org/presentationml/2006/main">
-  <p:cSld>
-    <p:spTree>
-      <p:nvGrpSpPr>
-        <p:cNvPr id="1" name=""/>
-        <p:cNvGrpSpPr/>
-        <p:nvPr/>
-      </p:nvGrpSpPr>
-      <p:grpSpPr>
-        <a:xfrm>
-          <a:off x="0" y="0"/>
-          <a:ext cx="0" cy="0"/>
-          <a:chOff x="0" y="0"/>
-          <a:chExt cx="0" cy="0"/>
-        </a:xfrm>
-      </p:grpSpPr>
-      <p:sp>
-        <p:nvSpPr>
-          <p:cNvPr id="2" name="슬라이드 이미지 개체 틀 1"/>
-          <p:cNvSpPr>
-            <a:spLocks noGrp="1" noRot="1" noChangeAspect="1"/>
-          </p:cNvSpPr>
-          <p:nvPr>
-            <p:ph type="sldImg"/>
-          </p:nvPr>
-        </p:nvSpPr>
-        <p:spPr/>
-      </p:sp>
-      <p:sp>
-        <p:nvSpPr>
-          <p:cNvPr id="3" name="슬라이드 노트 개체 틀 2"/>
-          <p:cNvSpPr>
-            <a:spLocks noGrp="1"/>
-          </p:cNvSpPr>
-          <p:nvPr>
-            <p:ph type="body" idx="1"/>
-          </p:nvPr>
-        </p:nvSpPr>
-        <p:spPr/>
-        <p:txBody>
-          <a:bodyPr/>
-          <a:lstStyle/>
-          <a:p>
-            <a:endParaRPr lang="ko-KR" altLang="en-US"/>
-          </a:p>
-        </p:txBody>
-      </p:sp>
-      <p:sp>
-        <p:nvSpPr>
-          <p:cNvPr id="4" name="슬라이드 번호 개체 틀 3"/>
-          <p:cNvSpPr>
-            <a:spLocks noGrp="1"/>
-          </p:cNvSpPr>
-          <p:nvPr>
-            <p:ph type="sldNum" sz="quarter" idx="5"/>
-          </p:nvPr>
-        </p:nvSpPr>
-        <p:spPr/>
-        <p:txBody>
-          <a:bodyPr/>
-          <a:lstStyle/>
-          <a:p>
-            <a:pPr lvl="0">
-              <a:defRPr/>
-            </a:pPr>
-            <a:fld id="{81967304-A513-47CF-AA1B-1F2A36BB6376}" type="slidenum">
-              <a:rPr lang="de-DE" altLang="ko-KR" smtClean="0"/>
-              <a:pPr lvl="0">
-                <a:defRPr/>
-              </a:pPr>
-              <a:t>37</a:t>
-            </a:fld>
-            <a:endParaRPr lang="de-DE" altLang="ko-KR"/>
-          </a:p>
-        </p:txBody>
-      </p:sp>
-    </p:spTree>
-    <p:extLst>
-      <p:ext uri="{BB962C8B-B14F-4D97-AF65-F5344CB8AC3E}">
-        <p14:creationId xmlns:p14="http://schemas.microsoft.com/office/powerpoint/2010/main" val="1753359354"/>
-      </p:ext>
-    </p:extLst>
-  </p:cSld>
-  <p:clrMapOvr>
-    <a:masterClrMapping/>
-  </p:clrMapOvr>
-</p:notes>
-</file>
-
 <file path=ppt/slideLayouts/slideLayout1.xml><?xml version="1.0" encoding="utf-8"?>
 <p:sldLayout xmlns:a="http://schemas.openxmlformats.org/drawingml/2006/main" xmlns:r="http://schemas.openxmlformats.org/officeDocument/2006/relationships" xmlns:p="http://schemas.openxmlformats.org/presentationml/2006/main" matchingName="2_제목 슬라이드1" preserve="1" userDrawn="1">
   <p:cSld name="1_장제목">
@@ -10524,7 +10434,7 @@
               <a:pPr lvl="0">
                 <a:defRPr/>
               </a:pPr>
-              <a:t>2025-06-12</a:t>
+              <a:t>2025-01-19</a:t>
             </a:fld>
             <a:endParaRPr lang="ko-KR" altLang="en-US"/>
           </a:p>
@@ -11305,7 +11215,7 @@
     <mc:Choice Requires="p14">
       <p:transition/>
     </mc:Choice>
-    <mc:Fallback xmlns:dsp="http://schemas.microsoft.com/office/drawing/2008/diagram" xmlns:dgm="http://schemas.openxmlformats.org/drawingml/2006/diagram" xmlns:c="http://schemas.openxmlformats.org/drawingml/2006/chart" xmlns="">
+    <mc:Fallback xmlns="" xmlns:c="http://schemas.openxmlformats.org/drawingml/2006/chart" xmlns:dgm="http://schemas.openxmlformats.org/drawingml/2006/diagram" xmlns:dsp="http://schemas.microsoft.com/office/drawing/2008/diagram">
       <p:transition/>
     </mc:Fallback>
   </mc:AlternateContent>
@@ -11661,7 +11571,7 @@
     <mc:Choice Requires="p14">
       <p:transition/>
     </mc:Choice>
-    <mc:Fallback xmlns:dsp="http://schemas.microsoft.com/office/drawing/2008/diagram" xmlns:dgm="http://schemas.openxmlformats.org/drawingml/2006/diagram" xmlns:c="http://schemas.openxmlformats.org/drawingml/2006/chart" xmlns="">
+    <mc:Fallback xmlns="" xmlns:c="http://schemas.openxmlformats.org/drawingml/2006/chart" xmlns:dgm="http://schemas.openxmlformats.org/drawingml/2006/diagram" xmlns:dsp="http://schemas.microsoft.com/office/drawing/2008/diagram">
       <p:transition/>
     </mc:Fallback>
   </mc:AlternateContent>
@@ -11950,7 +11860,7 @@
     <mc:Choice Requires="p14">
       <p:transition/>
     </mc:Choice>
-    <mc:Fallback xmlns:dsp="http://schemas.microsoft.com/office/drawing/2008/diagram" xmlns:dgm="http://schemas.openxmlformats.org/drawingml/2006/diagram" xmlns:c="http://schemas.openxmlformats.org/drawingml/2006/chart" xmlns="">
+    <mc:Fallback xmlns="" xmlns:c="http://schemas.openxmlformats.org/drawingml/2006/chart" xmlns:dgm="http://schemas.openxmlformats.org/drawingml/2006/diagram" xmlns:dsp="http://schemas.microsoft.com/office/drawing/2008/diagram">
       <p:transition/>
     </mc:Fallback>
   </mc:AlternateContent>
@@ -12249,7 +12159,7 @@
     <mc:Choice Requires="p14">
       <p:transition/>
     </mc:Choice>
-    <mc:Fallback xmlns:dsp="http://schemas.microsoft.com/office/drawing/2008/diagram" xmlns:dgm="http://schemas.openxmlformats.org/drawingml/2006/diagram" xmlns:c="http://schemas.openxmlformats.org/drawingml/2006/chart" xmlns="">
+    <mc:Fallback xmlns="" xmlns:c="http://schemas.openxmlformats.org/drawingml/2006/chart" xmlns:dgm="http://schemas.openxmlformats.org/drawingml/2006/diagram" xmlns:dsp="http://schemas.microsoft.com/office/drawing/2008/diagram">
       <p:transition/>
     </mc:Fallback>
   </mc:AlternateContent>
@@ -12541,7 +12451,7 @@
     <mc:Choice Requires="p14">
       <p:transition/>
     </mc:Choice>
-    <mc:Fallback xmlns:dsp="http://schemas.microsoft.com/office/drawing/2008/diagram" xmlns:dgm="http://schemas.openxmlformats.org/drawingml/2006/diagram" xmlns:c="http://schemas.openxmlformats.org/drawingml/2006/chart" xmlns="">
+    <mc:Fallback xmlns="" xmlns:c="http://schemas.openxmlformats.org/drawingml/2006/chart" xmlns:dgm="http://schemas.openxmlformats.org/drawingml/2006/diagram" xmlns:dsp="http://schemas.microsoft.com/office/drawing/2008/diagram">
       <p:transition/>
     </mc:Fallback>
   </mc:AlternateContent>
@@ -12638,7 +12548,7 @@
     <mc:Choice Requires="p14">
       <p:transition/>
     </mc:Choice>
-    <mc:Fallback xmlns:dsp="http://schemas.microsoft.com/office/drawing/2008/diagram" xmlns:dgm="http://schemas.openxmlformats.org/drawingml/2006/diagram" xmlns:c="http://schemas.openxmlformats.org/drawingml/2006/chart" xmlns="">
+    <mc:Fallback xmlns="" xmlns:c="http://schemas.openxmlformats.org/drawingml/2006/chart" xmlns:dgm="http://schemas.openxmlformats.org/drawingml/2006/diagram" xmlns:dsp="http://schemas.microsoft.com/office/drawing/2008/diagram">
       <p:transition/>
     </mc:Fallback>
   </mc:AlternateContent>
@@ -12992,7 +12902,7 @@
     <mc:Choice Requires="p14">
       <p:transition/>
     </mc:Choice>
-    <mc:Fallback xmlns:dsp="http://schemas.microsoft.com/office/drawing/2008/diagram" xmlns:dgm="http://schemas.openxmlformats.org/drawingml/2006/diagram" xmlns:c="http://schemas.openxmlformats.org/drawingml/2006/chart" xmlns="">
+    <mc:Fallback xmlns="" xmlns:c="http://schemas.openxmlformats.org/drawingml/2006/chart" xmlns:dgm="http://schemas.openxmlformats.org/drawingml/2006/diagram" xmlns:dsp="http://schemas.microsoft.com/office/drawing/2008/diagram">
       <p:transition/>
     </mc:Fallback>
   </mc:AlternateContent>
@@ -13347,7 +13257,7 @@
     <mc:Choice Requires="p14">
       <p:transition/>
     </mc:Choice>
-    <mc:Fallback xmlns:dsp="http://schemas.microsoft.com/office/drawing/2008/diagram" xmlns:dgm="http://schemas.openxmlformats.org/drawingml/2006/diagram" xmlns:c="http://schemas.openxmlformats.org/drawingml/2006/chart" xmlns="">
+    <mc:Fallback xmlns="" xmlns:c="http://schemas.openxmlformats.org/drawingml/2006/chart" xmlns:dgm="http://schemas.openxmlformats.org/drawingml/2006/diagram" xmlns:dsp="http://schemas.microsoft.com/office/drawing/2008/diagram">
       <p:transition/>
     </mc:Fallback>
   </mc:AlternateContent>
@@ -13677,7 +13587,7 @@
     <mc:Choice Requires="p14">
       <p:transition/>
     </mc:Choice>
-    <mc:Fallback xmlns:dsp="http://schemas.microsoft.com/office/drawing/2008/diagram" xmlns:dgm="http://schemas.openxmlformats.org/drawingml/2006/diagram" xmlns:c="http://schemas.openxmlformats.org/drawingml/2006/chart" xmlns="">
+    <mc:Fallback xmlns="" xmlns:c="http://schemas.openxmlformats.org/drawingml/2006/chart" xmlns:dgm="http://schemas.openxmlformats.org/drawingml/2006/diagram" xmlns:dsp="http://schemas.microsoft.com/office/drawing/2008/diagram">
       <p:transition/>
     </mc:Fallback>
   </mc:AlternateContent>
@@ -13797,7 +13707,7 @@
     <mc:Choice Requires="p14">
       <p:transition/>
     </mc:Choice>
-    <mc:Fallback xmlns:dsp="http://schemas.microsoft.com/office/drawing/2008/diagram" xmlns:dgm="http://schemas.openxmlformats.org/drawingml/2006/diagram" xmlns:c="http://schemas.openxmlformats.org/drawingml/2006/chart" xmlns="">
+    <mc:Fallback xmlns="" xmlns:c="http://schemas.openxmlformats.org/drawingml/2006/chart" xmlns:dgm="http://schemas.openxmlformats.org/drawingml/2006/diagram" xmlns:dsp="http://schemas.microsoft.com/office/drawing/2008/diagram">
       <p:transition/>
     </mc:Fallback>
   </mc:AlternateContent>
@@ -14131,7 +14041,7 @@
     <mc:Choice Requires="p14">
       <p:transition/>
     </mc:Choice>
-    <mc:Fallback xmlns:dsp="http://schemas.microsoft.com/office/drawing/2008/diagram" xmlns:dgm="http://schemas.openxmlformats.org/drawingml/2006/diagram" xmlns:c="http://schemas.openxmlformats.org/drawingml/2006/chart" xmlns="">
+    <mc:Fallback xmlns="" xmlns:c="http://schemas.openxmlformats.org/drawingml/2006/chart" xmlns:dgm="http://schemas.openxmlformats.org/drawingml/2006/diagram" xmlns:dsp="http://schemas.microsoft.com/office/drawing/2008/diagram">
       <p:transition/>
     </mc:Fallback>
   </mc:AlternateContent>
@@ -14380,7 +14290,7 @@
     <mc:Choice Requires="p14">
       <p:transition/>
     </mc:Choice>
-    <mc:Fallback xmlns:dsp="http://schemas.microsoft.com/office/drawing/2008/diagram" xmlns:dgm="http://schemas.openxmlformats.org/drawingml/2006/diagram" xmlns:c="http://schemas.openxmlformats.org/drawingml/2006/chart" xmlns="">
+    <mc:Fallback xmlns="" xmlns:c="http://schemas.openxmlformats.org/drawingml/2006/chart" xmlns:dgm="http://schemas.openxmlformats.org/drawingml/2006/diagram" xmlns:dsp="http://schemas.microsoft.com/office/drawing/2008/diagram">
       <p:transition/>
     </mc:Fallback>
   </mc:AlternateContent>
@@ -14677,7 +14587,7 @@
     <mc:Choice Requires="p14">
       <p:transition/>
     </mc:Choice>
-    <mc:Fallback xmlns:dsp="http://schemas.microsoft.com/office/drawing/2008/diagram" xmlns:dgm="http://schemas.openxmlformats.org/drawingml/2006/diagram" xmlns:c="http://schemas.openxmlformats.org/drawingml/2006/chart" xmlns="">
+    <mc:Fallback xmlns="" xmlns:c="http://schemas.openxmlformats.org/drawingml/2006/chart" xmlns:dgm="http://schemas.openxmlformats.org/drawingml/2006/diagram" xmlns:dsp="http://schemas.microsoft.com/office/drawing/2008/diagram">
       <p:transition/>
     </mc:Fallback>
   </mc:AlternateContent>
@@ -14962,7 +14872,7 @@
     <mc:Choice Requires="p14">
       <p:transition/>
     </mc:Choice>
-    <mc:Fallback xmlns:dsp="http://schemas.microsoft.com/office/drawing/2008/diagram" xmlns:dgm="http://schemas.openxmlformats.org/drawingml/2006/diagram" xmlns:c="http://schemas.openxmlformats.org/drawingml/2006/chart" xmlns="">
+    <mc:Fallback xmlns="" xmlns:c="http://schemas.openxmlformats.org/drawingml/2006/chart" xmlns:dgm="http://schemas.openxmlformats.org/drawingml/2006/diagram" xmlns:dsp="http://schemas.microsoft.com/office/drawing/2008/diagram">
       <p:transition/>
     </mc:Fallback>
   </mc:AlternateContent>
@@ -15090,7 +15000,7 @@
     <mc:Choice Requires="p14">
       <p:transition/>
     </mc:Choice>
-    <mc:Fallback xmlns:dsp="http://schemas.microsoft.com/office/drawing/2008/diagram" xmlns:dgm="http://schemas.openxmlformats.org/drawingml/2006/diagram" xmlns:c="http://schemas.openxmlformats.org/drawingml/2006/chart" xmlns="">
+    <mc:Fallback xmlns="" xmlns:c="http://schemas.openxmlformats.org/drawingml/2006/chart" xmlns:dgm="http://schemas.openxmlformats.org/drawingml/2006/diagram" xmlns:dsp="http://schemas.microsoft.com/office/drawing/2008/diagram">
       <p:transition/>
     </mc:Fallback>
   </mc:AlternateContent>
@@ -15329,7 +15239,7 @@
     <mc:Choice Requires="p14">
       <p:transition/>
     </mc:Choice>
-    <mc:Fallback xmlns:dsp="http://schemas.microsoft.com/office/drawing/2008/diagram" xmlns:dgm="http://schemas.openxmlformats.org/drawingml/2006/diagram" xmlns:c="http://schemas.openxmlformats.org/drawingml/2006/chart" xmlns="">
+    <mc:Fallback xmlns="" xmlns:c="http://schemas.openxmlformats.org/drawingml/2006/chart" xmlns:dgm="http://schemas.openxmlformats.org/drawingml/2006/diagram" xmlns:dsp="http://schemas.microsoft.com/office/drawing/2008/diagram">
       <p:transition/>
     </mc:Fallback>
   </mc:AlternateContent>
@@ -15568,7 +15478,7 @@
     <mc:Choice Requires="p14">
       <p:transition/>
     </mc:Choice>
-    <mc:Fallback xmlns:dsp="http://schemas.microsoft.com/office/drawing/2008/diagram" xmlns:dgm="http://schemas.openxmlformats.org/drawingml/2006/diagram" xmlns:c="http://schemas.openxmlformats.org/drawingml/2006/chart" xmlns="">
+    <mc:Fallback xmlns="" xmlns:c="http://schemas.openxmlformats.org/drawingml/2006/chart" xmlns:dgm="http://schemas.openxmlformats.org/drawingml/2006/diagram" xmlns:dsp="http://schemas.microsoft.com/office/drawing/2008/diagram">
       <p:transition/>
     </mc:Fallback>
   </mc:AlternateContent>
@@ -15849,7 +15759,7 @@
     <mc:Choice Requires="p14">
       <p:transition/>
     </mc:Choice>
-    <mc:Fallback xmlns:dsp="http://schemas.microsoft.com/office/drawing/2008/diagram" xmlns:dgm="http://schemas.openxmlformats.org/drawingml/2006/diagram" xmlns:c="http://schemas.openxmlformats.org/drawingml/2006/chart" xmlns="">
+    <mc:Fallback xmlns="" xmlns:c="http://schemas.openxmlformats.org/drawingml/2006/chart" xmlns:dgm="http://schemas.openxmlformats.org/drawingml/2006/diagram" xmlns:dsp="http://schemas.microsoft.com/office/drawing/2008/diagram">
       <p:transition/>
     </mc:Fallback>
   </mc:AlternateContent>
@@ -16459,7 +16369,7 @@
     <mc:Choice Requires="p14">
       <p:transition/>
     </mc:Choice>
-    <mc:Fallback xmlns:dsp="http://schemas.microsoft.com/office/drawing/2008/diagram" xmlns:dgm="http://schemas.openxmlformats.org/drawingml/2006/diagram" xmlns:c="http://schemas.openxmlformats.org/drawingml/2006/chart" xmlns="">
+    <mc:Fallback xmlns="" xmlns:c="http://schemas.openxmlformats.org/drawingml/2006/chart" xmlns:dgm="http://schemas.openxmlformats.org/drawingml/2006/diagram" xmlns:dsp="http://schemas.microsoft.com/office/drawing/2008/diagram">
       <p:transition/>
     </mc:Fallback>
   </mc:AlternateContent>
@@ -16715,7 +16625,7 @@
     <mc:Choice Requires="p14">
       <p:transition/>
     </mc:Choice>
-    <mc:Fallback xmlns:dsp="http://schemas.microsoft.com/office/drawing/2008/diagram" xmlns:dgm="http://schemas.openxmlformats.org/drawingml/2006/diagram" xmlns:c="http://schemas.openxmlformats.org/drawingml/2006/chart" xmlns="">
+    <mc:Fallback xmlns="" xmlns:c="http://schemas.openxmlformats.org/drawingml/2006/chart" xmlns:dgm="http://schemas.openxmlformats.org/drawingml/2006/diagram" xmlns:dsp="http://schemas.microsoft.com/office/drawing/2008/diagram">
       <p:transition/>
     </mc:Fallback>
   </mc:AlternateContent>
@@ -16965,7 +16875,7 @@
     <mc:Choice Requires="p14">
       <p:transition/>
     </mc:Choice>
-    <mc:Fallback xmlns:dsp="http://schemas.microsoft.com/office/drawing/2008/diagram" xmlns:dgm="http://schemas.openxmlformats.org/drawingml/2006/diagram" xmlns:c="http://schemas.openxmlformats.org/drawingml/2006/chart" xmlns="">
+    <mc:Fallback xmlns="" xmlns:c="http://schemas.openxmlformats.org/drawingml/2006/chart" xmlns:dgm="http://schemas.openxmlformats.org/drawingml/2006/diagram" xmlns:dsp="http://schemas.microsoft.com/office/drawing/2008/diagram">
       <p:transition/>
     </mc:Fallback>
   </mc:AlternateContent>
@@ -17068,7 +16978,7 @@
             </a:r>
             <a:r>
               <a:rPr lang="en-US" altLang="ko-KR" dirty="0" err="1"/>
-              <a:t>getBookinfo</a:t>
+              <a:t>getBookById</a:t>
             </a:r>
             <a:r>
               <a:rPr lang="en-US" altLang="ko-KR" dirty="0"/>
@@ -17244,7 +17154,7 @@
     <mc:Choice Requires="p14">
       <p:transition/>
     </mc:Choice>
-    <mc:Fallback xmlns:dsp="http://schemas.microsoft.com/office/drawing/2008/diagram" xmlns:dgm="http://schemas.openxmlformats.org/drawingml/2006/diagram" xmlns:c="http://schemas.openxmlformats.org/drawingml/2006/chart" xmlns="">
+    <mc:Fallback xmlns="" xmlns:c="http://schemas.openxmlformats.org/drawingml/2006/chart" xmlns:dgm="http://schemas.openxmlformats.org/drawingml/2006/diagram" xmlns:dsp="http://schemas.microsoft.com/office/drawing/2008/diagram">
       <p:transition/>
     </mc:Fallback>
   </mc:AlternateContent>
@@ -17463,7 +17373,7 @@
     <mc:Choice Requires="p14">
       <p:transition/>
     </mc:Choice>
-    <mc:Fallback xmlns:dsp="http://schemas.microsoft.com/office/drawing/2008/diagram" xmlns:dgm="http://schemas.openxmlformats.org/drawingml/2006/diagram" xmlns:c="http://schemas.openxmlformats.org/drawingml/2006/chart" xmlns="">
+    <mc:Fallback xmlns="" xmlns:c="http://schemas.openxmlformats.org/drawingml/2006/chart" xmlns:dgm="http://schemas.openxmlformats.org/drawingml/2006/diagram" xmlns:dsp="http://schemas.microsoft.com/office/drawing/2008/diagram">
       <p:transition/>
     </mc:Fallback>
   </mc:AlternateContent>
@@ -18123,7 +18033,7 @@
     <mc:Choice Requires="p14">
       <p:transition/>
     </mc:Choice>
-    <mc:Fallback xmlns:dsp="http://schemas.microsoft.com/office/drawing/2008/diagram" xmlns:dgm="http://schemas.openxmlformats.org/drawingml/2006/diagram" xmlns:c="http://schemas.openxmlformats.org/drawingml/2006/chart" xmlns="">
+    <mc:Fallback xmlns="" xmlns:c="http://schemas.openxmlformats.org/drawingml/2006/chart" xmlns:dgm="http://schemas.openxmlformats.org/drawingml/2006/diagram" xmlns:dsp="http://schemas.microsoft.com/office/drawing/2008/diagram">
       <p:transition/>
     </mc:Fallback>
   </mc:AlternateContent>
@@ -18422,7 +18332,7 @@
     <mc:Choice Requires="p14">
       <p:transition/>
     </mc:Choice>
-    <mc:Fallback xmlns:dsp="http://schemas.microsoft.com/office/drawing/2008/diagram" xmlns:dgm="http://schemas.openxmlformats.org/drawingml/2006/diagram" xmlns:c="http://schemas.openxmlformats.org/drawingml/2006/chart" xmlns="">
+    <mc:Fallback xmlns="" xmlns:c="http://schemas.openxmlformats.org/drawingml/2006/chart" xmlns:dgm="http://schemas.openxmlformats.org/drawingml/2006/diagram" xmlns:dsp="http://schemas.microsoft.com/office/drawing/2008/diagram">
       <p:transition/>
     </mc:Fallback>
   </mc:AlternateContent>
@@ -18694,7 +18604,7 @@
     <mc:Choice Requires="p14">
       <p:transition/>
     </mc:Choice>
-    <mc:Fallback xmlns:dsp="http://schemas.microsoft.com/office/drawing/2008/diagram" xmlns:dgm="http://schemas.openxmlformats.org/drawingml/2006/diagram" xmlns:c="http://schemas.openxmlformats.org/drawingml/2006/chart" xmlns="">
+    <mc:Fallback xmlns="" xmlns:c="http://schemas.openxmlformats.org/drawingml/2006/chart" xmlns:dgm="http://schemas.openxmlformats.org/drawingml/2006/diagram" xmlns:dsp="http://schemas.microsoft.com/office/drawing/2008/diagram">
       <p:transition/>
     </mc:Fallback>
   </mc:AlternateContent>
@@ -18990,7 +18900,7 @@
     <mc:Choice Requires="p14">
       <p:transition/>
     </mc:Choice>
-    <mc:Fallback xmlns:dsp="http://schemas.microsoft.com/office/drawing/2008/diagram" xmlns:dgm="http://schemas.openxmlformats.org/drawingml/2006/diagram" xmlns:c="http://schemas.openxmlformats.org/drawingml/2006/chart" xmlns="">
+    <mc:Fallback xmlns="" xmlns:c="http://schemas.openxmlformats.org/drawingml/2006/chart" xmlns:dgm="http://schemas.openxmlformats.org/drawingml/2006/diagram" xmlns:dsp="http://schemas.microsoft.com/office/drawing/2008/diagram">
       <p:transition/>
     </mc:Fallback>
   </mc:AlternateContent>
@@ -19400,7 +19310,7 @@
     <mc:Choice Requires="p14">
       <p:transition/>
     </mc:Choice>
-    <mc:Fallback xmlns:dsp="http://schemas.microsoft.com/office/drawing/2008/diagram" xmlns:dgm="http://schemas.openxmlformats.org/drawingml/2006/diagram" xmlns:c="http://schemas.openxmlformats.org/drawingml/2006/chart" xmlns="">
+    <mc:Fallback xmlns="" xmlns:c="http://schemas.openxmlformats.org/drawingml/2006/chart" xmlns:dgm="http://schemas.openxmlformats.org/drawingml/2006/diagram" xmlns:dsp="http://schemas.microsoft.com/office/drawing/2008/diagram">
       <p:transition/>
     </mc:Fallback>
   </mc:AlternateContent>
@@ -19720,7 +19630,7 @@
     <mc:Choice Requires="p14">
       <p:transition/>
     </mc:Choice>
-    <mc:Fallback xmlns:dsp="http://schemas.microsoft.com/office/drawing/2008/diagram" xmlns:dgm="http://schemas.openxmlformats.org/drawingml/2006/diagram" xmlns:c="http://schemas.openxmlformats.org/drawingml/2006/chart" xmlns="">
+    <mc:Fallback xmlns="" xmlns:c="http://schemas.openxmlformats.org/drawingml/2006/chart" xmlns:dgm="http://schemas.openxmlformats.org/drawingml/2006/diagram" xmlns:dsp="http://schemas.microsoft.com/office/drawing/2008/diagram">
       <p:transition/>
     </mc:Fallback>
   </mc:AlternateContent>
@@ -20013,7 +19923,7 @@
     <mc:Choice Requires="p14">
       <p:transition/>
     </mc:Choice>
-    <mc:Fallback xmlns:dsp="http://schemas.microsoft.com/office/drawing/2008/diagram" xmlns:dgm="http://schemas.openxmlformats.org/drawingml/2006/diagram" xmlns:c="http://schemas.openxmlformats.org/drawingml/2006/chart" xmlns="">
+    <mc:Fallback xmlns="" xmlns:c="http://schemas.openxmlformats.org/drawingml/2006/chart" xmlns:dgm="http://schemas.openxmlformats.org/drawingml/2006/diagram" xmlns:dsp="http://schemas.microsoft.com/office/drawing/2008/diagram">
       <p:transition/>
     </mc:Fallback>
   </mc:AlternateContent>
@@ -20296,7 +20206,7 @@
           <p:nvPr/>
         </p:nvPicPr>
         <p:blipFill>
-          <a:blip r:embed="rId3" cstate="print">
+          <a:blip r:embed="rId2" cstate="print">
             <a:extLst>
               <a:ext uri="{28A0092B-C50C-407E-A947-70E740481C1C}">
                 <a14:useLocalDpi xmlns:a14="http://schemas.microsoft.com/office/drawing/2010/main" val="0"/>
@@ -20330,7 +20240,7 @@
     <mc:Choice Requires="p14">
       <p:transition/>
     </mc:Choice>
-    <mc:Fallback xmlns:dsp="http://schemas.microsoft.com/office/drawing/2008/diagram" xmlns:dgm="http://schemas.openxmlformats.org/drawingml/2006/diagram" xmlns:c="http://schemas.openxmlformats.org/drawingml/2006/chart" xmlns="">
+    <mc:Fallback xmlns="" xmlns:c="http://schemas.openxmlformats.org/drawingml/2006/chart" xmlns:dgm="http://schemas.openxmlformats.org/drawingml/2006/diagram" xmlns:dsp="http://schemas.microsoft.com/office/drawing/2008/diagram">
       <p:transition/>
     </mc:Fallback>
   </mc:AlternateContent>
@@ -20393,7 +20303,7 @@
     <mc:Choice Requires="p14">
       <p:transition/>
     </mc:Choice>
-    <mc:Fallback xmlns:dsp="http://schemas.microsoft.com/office/drawing/2008/diagram" xmlns:dgm="http://schemas.openxmlformats.org/drawingml/2006/diagram" xmlns:c="http://schemas.openxmlformats.org/drawingml/2006/chart" xmlns="">
+    <mc:Fallback xmlns="" xmlns:c="http://schemas.openxmlformats.org/drawingml/2006/chart" xmlns:dgm="http://schemas.openxmlformats.org/drawingml/2006/diagram" xmlns:dsp="http://schemas.microsoft.com/office/drawing/2008/diagram">
       <p:transition/>
     </mc:Fallback>
   </mc:AlternateContent>
@@ -20498,7 +20408,7 @@
     <mc:Choice Requires="p14">
       <p:transition/>
     </mc:Choice>
-    <mc:Fallback xmlns:dsp="http://schemas.microsoft.com/office/drawing/2008/diagram" xmlns:dgm="http://schemas.openxmlformats.org/drawingml/2006/diagram" xmlns:c="http://schemas.openxmlformats.org/drawingml/2006/chart" xmlns="">
+    <mc:Fallback xmlns="" xmlns:c="http://schemas.openxmlformats.org/drawingml/2006/chart" xmlns:dgm="http://schemas.openxmlformats.org/drawingml/2006/diagram" xmlns:dsp="http://schemas.microsoft.com/office/drawing/2008/diagram">
       <p:transition/>
     </mc:Fallback>
   </mc:AlternateContent>
@@ -20767,7 +20677,7 @@
     <mc:Choice Requires="p14">
       <p:transition/>
     </mc:Choice>
-    <mc:Fallback xmlns:dsp="http://schemas.microsoft.com/office/drawing/2008/diagram" xmlns:dgm="http://schemas.openxmlformats.org/drawingml/2006/diagram" xmlns:c="http://schemas.openxmlformats.org/drawingml/2006/chart" xmlns="">
+    <mc:Fallback xmlns="" xmlns:c="http://schemas.openxmlformats.org/drawingml/2006/chart" xmlns:dgm="http://schemas.openxmlformats.org/drawingml/2006/diagram" xmlns:dsp="http://schemas.microsoft.com/office/drawing/2008/diagram">
       <p:transition/>
     </mc:Fallback>
   </mc:AlternateContent>
@@ -21034,7 +20944,7 @@
     <mc:Choice Requires="p14">
       <p:transition/>
     </mc:Choice>
-    <mc:Fallback xmlns:dsp="http://schemas.microsoft.com/office/drawing/2008/diagram" xmlns:dgm="http://schemas.openxmlformats.org/drawingml/2006/diagram" xmlns:c="http://schemas.openxmlformats.org/drawingml/2006/chart" xmlns="">
+    <mc:Fallback xmlns="" xmlns:c="http://schemas.openxmlformats.org/drawingml/2006/chart" xmlns:dgm="http://schemas.openxmlformats.org/drawingml/2006/diagram" xmlns:dsp="http://schemas.microsoft.com/office/drawing/2008/diagram">
       <p:transition/>
     </mc:Fallback>
   </mc:AlternateContent>
@@ -21139,7 +21049,7 @@
     <mc:Choice Requires="p14">
       <p:transition/>
     </mc:Choice>
-    <mc:Fallback xmlns:dsp="http://schemas.microsoft.com/office/drawing/2008/diagram" xmlns:dgm="http://schemas.openxmlformats.org/drawingml/2006/diagram" xmlns:c="http://schemas.openxmlformats.org/drawingml/2006/chart" xmlns="">
+    <mc:Fallback xmlns="" xmlns:c="http://schemas.openxmlformats.org/drawingml/2006/chart" xmlns:dgm="http://schemas.openxmlformats.org/drawingml/2006/diagram" xmlns:dsp="http://schemas.microsoft.com/office/drawing/2008/diagram">
       <p:transition/>
     </mc:Fallback>
   </mc:AlternateContent>
@@ -21475,7 +21385,7 @@
     <mc:Choice Requires="p14">
       <p:transition/>
     </mc:Choice>
-    <mc:Fallback xmlns:dsp="http://schemas.microsoft.com/office/drawing/2008/diagram" xmlns:dgm="http://schemas.openxmlformats.org/drawingml/2006/diagram" xmlns:c="http://schemas.openxmlformats.org/drawingml/2006/chart" xmlns="">
+    <mc:Fallback xmlns="" xmlns:c="http://schemas.openxmlformats.org/drawingml/2006/chart" xmlns:dgm="http://schemas.openxmlformats.org/drawingml/2006/diagram" xmlns:dsp="http://schemas.microsoft.com/office/drawing/2008/diagram">
       <p:transition/>
     </mc:Fallback>
   </mc:AlternateContent>
@@ -21883,7 +21793,7 @@
     <mc:Choice Requires="p14">
       <p:transition/>
     </mc:Choice>
-    <mc:Fallback xmlns:dsp="http://schemas.microsoft.com/office/drawing/2008/diagram" xmlns:dgm="http://schemas.openxmlformats.org/drawingml/2006/diagram" xmlns:c="http://schemas.openxmlformats.org/drawingml/2006/chart" xmlns="">
+    <mc:Fallback xmlns="" xmlns:c="http://schemas.openxmlformats.org/drawingml/2006/chart" xmlns:dgm="http://schemas.openxmlformats.org/drawingml/2006/diagram" xmlns:dsp="http://schemas.microsoft.com/office/drawing/2008/diagram">
       <p:transition/>
     </mc:Fallback>
   </mc:AlternateContent>
